--- a/powerPointIA.pptx
+++ b/powerPointIA.pptx
@@ -5,7 +5,7 @@
     <p:sldMasterId id="2147483894" r:id="rId1"/>
   </p:sldMasterIdLst>
   <p:notesMasterIdLst>
-    <p:notesMasterId r:id="rId21"/>
+    <p:notesMasterId r:id="rId23"/>
   </p:notesMasterIdLst>
   <p:sldIdLst>
     <p:sldId id="256" r:id="rId2"/>
@@ -27,6 +27,8 @@
     <p:sldId id="272" r:id="rId18"/>
     <p:sldId id="273" r:id="rId19"/>
     <p:sldId id="274" r:id="rId20"/>
+    <p:sldId id="275" r:id="rId21"/>
+    <p:sldId id="276" r:id="rId22"/>
   </p:sldIdLst>
   <p:sldSz cx="12192000" cy="6858000"/>
   <p:notesSz cx="6858000" cy="9144000"/>
@@ -6730,6 +6732,13 @@
   <p:clrMapOvr>
     <a:masterClrMapping/>
   </p:clrMapOvr>
+  <p:timing>
+    <p:tnLst>
+      <p:par>
+        <p:cTn id="1" dur="indefinite" restart="never" nodeType="tmRoot"/>
+      </p:par>
+    </p:tnLst>
+  </p:timing>
 </p:sld>
 </file>
 
@@ -6803,6 +6812,13 @@
   <p:clrMapOvr>
     <a:masterClrMapping/>
   </p:clrMapOvr>
+  <p:timing>
+    <p:tnLst>
+      <p:par>
+        <p:cTn id="1" dur="indefinite" restart="never" nodeType="tmRoot"/>
+      </p:par>
+    </p:tnLst>
+  </p:timing>
 </p:sld>
 </file>
 
@@ -7160,6 +7176,13 @@
   <p:clrMapOvr>
     <a:masterClrMapping/>
   </p:clrMapOvr>
+  <p:timing>
+    <p:tnLst>
+      <p:par>
+        <p:cTn id="1" dur="indefinite" restart="never" nodeType="tmRoot"/>
+      </p:par>
+    </p:tnLst>
+  </p:timing>
 </p:sld>
 </file>
 
@@ -7501,6 +7524,13 @@
   <p:clrMapOvr>
     <a:masterClrMapping/>
   </p:clrMapOvr>
+  <p:timing>
+    <p:tnLst>
+      <p:par>
+        <p:cTn id="1" dur="indefinite" restart="never" nodeType="tmRoot"/>
+      </p:par>
+    </p:tnLst>
+  </p:timing>
 </p:sld>
 </file>
 
@@ -7574,6 +7604,13 @@
   <p:clrMapOvr>
     <a:masterClrMapping/>
   </p:clrMapOvr>
+  <p:timing>
+    <p:tnLst>
+      <p:par>
+        <p:cTn id="1" dur="indefinite" restart="never" nodeType="tmRoot"/>
+      </p:par>
+    </p:tnLst>
+  </p:timing>
 </p:sld>
 </file>
 
@@ -7807,6 +7844,13 @@
   <p:clrMapOvr>
     <a:masterClrMapping/>
   </p:clrMapOvr>
+  <p:timing>
+    <p:tnLst>
+      <p:par>
+        <p:cTn id="1" dur="indefinite" restart="never" nodeType="tmRoot"/>
+      </p:par>
+    </p:tnLst>
+  </p:timing>
 </p:sld>
 </file>
 
@@ -7890,6 +7934,13 @@
   <p:clrMapOvr>
     <a:masterClrMapping/>
   </p:clrMapOvr>
+  <p:timing>
+    <p:tnLst>
+      <p:par>
+        <p:cTn id="1" dur="indefinite" restart="never" nodeType="tmRoot"/>
+      </p:par>
+    </p:tnLst>
+  </p:timing>
 </p:sld>
 </file>
 
@@ -7927,8 +7978,12 @@
           <a:p>
             <a:pPr algn="ctr"/>
             <a:r>
+              <a:rPr lang="en-US" dirty="0" smtClean="0"/>
+              <a:t>FUNCION </a:t>
+            </a:r>
+            <a:r>
               <a:rPr lang="en-US" dirty="0"/>
-              <a:t>FUNCIONES AUXILIAR . EVITAR CHOQUE</a:t>
+              <a:t>AUXILIAR . EVITAR CHOQUE</a:t>
             </a:r>
           </a:p>
         </p:txBody>
@@ -8114,6 +8169,13 @@
   <p:clrMapOvr>
     <a:masterClrMapping/>
   </p:clrMapOvr>
+  <p:timing>
+    <p:tnLst>
+      <p:par>
+        <p:cTn id="1" dur="indefinite" restart="never" nodeType="tmRoot"/>
+      </p:par>
+    </p:tnLst>
+  </p:timing>
 </p:sld>
 </file>
 
@@ -8224,6 +8286,411 @@
       </p:par>
     </p:tnLst>
   </p:timing>
+</p:sld>
+</file>
+
+<file path=ppt/slides/slide20.xml><?xml version="1.0" encoding="utf-8"?>
+<p:sld xmlns:a="http://schemas.openxmlformats.org/drawingml/2006/main" xmlns:r="http://schemas.openxmlformats.org/officeDocument/2006/relationships" xmlns:p="http://schemas.openxmlformats.org/presentationml/2006/main">
+  <p:cSld>
+    <p:spTree>
+      <p:nvGrpSpPr>
+        <p:cNvPr id="1" name=""/>
+        <p:cNvGrpSpPr/>
+        <p:nvPr/>
+      </p:nvGrpSpPr>
+      <p:grpSpPr>
+        <a:xfrm>
+          <a:off x="0" y="0"/>
+          <a:ext cx="0" cy="0"/>
+          <a:chOff x="0" y="0"/>
+          <a:chExt cx="0" cy="0"/>
+        </a:xfrm>
+      </p:grpSpPr>
+      <p:sp>
+        <p:nvSpPr>
+          <p:cNvPr id="2" name="Title 1"/>
+          <p:cNvSpPr>
+            <a:spLocks noGrp="1"/>
+          </p:cNvSpPr>
+          <p:nvPr>
+            <p:ph type="title"/>
+          </p:nvPr>
+        </p:nvSpPr>
+        <p:spPr/>
+        <p:txBody>
+          <a:bodyPr/>
+          <a:lstStyle/>
+          <a:p>
+            <a:pPr algn="ctr"/>
+            <a:r>
+              <a:rPr lang="en-US" dirty="0" smtClean="0"/>
+              <a:t>FUNCION AUXILIAR. ENEMIGO DETECTADO</a:t>
+            </a:r>
+            <a:endParaRPr lang="en-US" dirty="0"/>
+          </a:p>
+        </p:txBody>
+      </p:sp>
+      <p:pic>
+        <p:nvPicPr>
+          <p:cNvPr id="4" name="Content Placeholder 3"/>
+          <p:cNvPicPr>
+            <a:picLocks noGrp="1" noChangeAspect="1"/>
+          </p:cNvPicPr>
+          <p:nvPr>
+            <p:ph idx="1"/>
+          </p:nvPr>
+        </p:nvPicPr>
+        <p:blipFill>
+          <a:blip r:embed="rId2">
+            <a:extLst>
+              <a:ext uri="{28A0092B-C50C-407E-A947-70E740481C1C}">
+                <a14:useLocalDpi xmlns:a14="http://schemas.microsoft.com/office/drawing/2010/main" val="0"/>
+              </a:ext>
+            </a:extLst>
+          </a:blip>
+          <a:stretch>
+            <a:fillRect/>
+          </a:stretch>
+        </p:blipFill>
+        <p:spPr>
+          <a:xfrm>
+            <a:off x="685801" y="2065867"/>
+            <a:ext cx="7168967" cy="3649662"/>
+          </a:xfrm>
+        </p:spPr>
+      </p:pic>
+      <p:sp>
+        <p:nvSpPr>
+          <p:cNvPr id="5" name="TextBox 4"/>
+          <p:cNvSpPr txBox="1"/>
+          <p:nvPr/>
+        </p:nvSpPr>
+        <p:spPr>
+          <a:xfrm>
+            <a:off x="7975600" y="2065867"/>
+            <a:ext cx="3725333" cy="646331"/>
+          </a:xfrm>
+          <a:prstGeom prst="rect">
+            <a:avLst/>
+          </a:prstGeom>
+          <a:noFill/>
+        </p:spPr>
+        <p:txBody>
+          <a:bodyPr wrap="square" rtlCol="0">
+            <a:spAutoFit/>
+          </a:bodyPr>
+          <a:lstStyle/>
+          <a:p>
+            <a:r>
+              <a:rPr lang="en-US" dirty="0" err="1" smtClean="0"/>
+              <a:t>Miramos</a:t>
+            </a:r>
+            <a:r>
+              <a:rPr lang="en-US" dirty="0" smtClean="0"/>
+              <a:t> la </a:t>
+            </a:r>
+            <a:r>
+              <a:rPr lang="en-US" dirty="0" err="1" smtClean="0"/>
+              <a:t>posición</a:t>
+            </a:r>
+            <a:r>
+              <a:rPr lang="en-US" dirty="0" smtClean="0"/>
+              <a:t> </a:t>
+            </a:r>
+            <a:r>
+              <a:rPr lang="en-US" dirty="0" err="1" smtClean="0"/>
+              <a:t>válida</a:t>
+            </a:r>
+            <a:r>
+              <a:rPr lang="en-US" dirty="0" smtClean="0"/>
+              <a:t> del </a:t>
+            </a:r>
+            <a:r>
+              <a:rPr lang="en-US" dirty="0" err="1" smtClean="0"/>
+              <a:t>enemigo</a:t>
+            </a:r>
+            <a:r>
+              <a:rPr lang="en-US" dirty="0" smtClean="0"/>
+              <a:t> </a:t>
+            </a:r>
+            <a:r>
+              <a:rPr lang="en-US" dirty="0" err="1" smtClean="0"/>
+              <a:t>más</a:t>
+            </a:r>
+            <a:r>
+              <a:rPr lang="en-US" dirty="0" smtClean="0"/>
+              <a:t> </a:t>
+            </a:r>
+            <a:r>
+              <a:rPr lang="en-US" dirty="0" err="1" smtClean="0"/>
+              <a:t>cercano</a:t>
+            </a:r>
+            <a:endParaRPr lang="en-US" dirty="0"/>
+          </a:p>
+        </p:txBody>
+      </p:sp>
+    </p:spTree>
+    <p:extLst>
+      <p:ext uri="{BB962C8B-B14F-4D97-AF65-F5344CB8AC3E}">
+        <p14:creationId xmlns:p14="http://schemas.microsoft.com/office/powerpoint/2010/main" val="332003666"/>
+      </p:ext>
+    </p:extLst>
+  </p:cSld>
+  <p:clrMapOvr>
+    <a:masterClrMapping/>
+  </p:clrMapOvr>
+</p:sld>
+</file>
+
+<file path=ppt/slides/slide21.xml><?xml version="1.0" encoding="utf-8"?>
+<p:sld xmlns:a="http://schemas.openxmlformats.org/drawingml/2006/main" xmlns:r="http://schemas.openxmlformats.org/officeDocument/2006/relationships" xmlns:p="http://schemas.openxmlformats.org/presentationml/2006/main">
+  <p:cSld>
+    <p:spTree>
+      <p:nvGrpSpPr>
+        <p:cNvPr id="1" name=""/>
+        <p:cNvGrpSpPr/>
+        <p:nvPr/>
+      </p:nvGrpSpPr>
+      <p:grpSpPr>
+        <a:xfrm>
+          <a:off x="0" y="0"/>
+          <a:ext cx="0" cy="0"/>
+          <a:chOff x="0" y="0"/>
+          <a:chExt cx="0" cy="0"/>
+        </a:xfrm>
+      </p:grpSpPr>
+      <p:sp>
+        <p:nvSpPr>
+          <p:cNvPr id="2" name="Title 1"/>
+          <p:cNvSpPr>
+            <a:spLocks noGrp="1"/>
+          </p:cNvSpPr>
+          <p:nvPr>
+            <p:ph type="title"/>
+          </p:nvPr>
+        </p:nvSpPr>
+        <p:spPr/>
+        <p:txBody>
+          <a:bodyPr/>
+          <a:lstStyle/>
+          <a:p>
+            <a:pPr algn="ctr"/>
+            <a:r>
+              <a:rPr lang="en-US" dirty="0"/>
+              <a:t>FUNCION AUXILIAR. ENEMIGO DETECTADO</a:t>
+            </a:r>
+          </a:p>
+        </p:txBody>
+      </p:sp>
+      <p:pic>
+        <p:nvPicPr>
+          <p:cNvPr id="4" name="Content Placeholder 3"/>
+          <p:cNvPicPr>
+            <a:picLocks noGrp="1" noChangeAspect="1"/>
+          </p:cNvPicPr>
+          <p:nvPr>
+            <p:ph idx="1"/>
+          </p:nvPr>
+        </p:nvPicPr>
+        <p:blipFill>
+          <a:blip r:embed="rId2">
+            <a:extLst>
+              <a:ext uri="{28A0092B-C50C-407E-A947-70E740481C1C}">
+                <a14:useLocalDpi xmlns:a14="http://schemas.microsoft.com/office/drawing/2010/main" val="0"/>
+              </a:ext>
+            </a:extLst>
+          </a:blip>
+          <a:stretch>
+            <a:fillRect/>
+          </a:stretch>
+        </p:blipFill>
+        <p:spPr>
+          <a:xfrm>
+            <a:off x="838201" y="2412735"/>
+            <a:ext cx="5829300" cy="1651000"/>
+          </a:xfrm>
+        </p:spPr>
+      </p:pic>
+      <p:sp>
+        <p:nvSpPr>
+          <p:cNvPr id="5" name="TextBox 4"/>
+          <p:cNvSpPr txBox="1"/>
+          <p:nvPr/>
+        </p:nvSpPr>
+        <p:spPr>
+          <a:xfrm>
+            <a:off x="7061200" y="2455333"/>
+            <a:ext cx="4013200" cy="1200329"/>
+          </a:xfrm>
+          <a:prstGeom prst="rect">
+            <a:avLst/>
+          </a:prstGeom>
+          <a:noFill/>
+        </p:spPr>
+        <p:txBody>
+          <a:bodyPr wrap="square" rtlCol="0">
+            <a:spAutoFit/>
+          </a:bodyPr>
+          <a:lstStyle/>
+          <a:p>
+            <a:r>
+              <a:rPr lang="en-US" dirty="0" err="1" smtClean="0"/>
+              <a:t>Atacar</a:t>
+            </a:r>
+            <a:r>
+              <a:rPr lang="en-US" dirty="0" smtClean="0"/>
+              <a:t> el </a:t>
+            </a:r>
+            <a:r>
+              <a:rPr lang="en-US" dirty="0" err="1" smtClean="0"/>
+              <a:t>enemigo</a:t>
+            </a:r>
+            <a:r>
+              <a:rPr lang="en-US" dirty="0" smtClean="0"/>
+              <a:t> </a:t>
+            </a:r>
+            <a:r>
+              <a:rPr lang="en-US" dirty="0" err="1" smtClean="0"/>
+              <a:t>es</a:t>
+            </a:r>
+            <a:r>
+              <a:rPr lang="en-US" dirty="0" smtClean="0"/>
+              <a:t> </a:t>
+            </a:r>
+            <a:r>
+              <a:rPr lang="en-US" dirty="0" err="1" smtClean="0"/>
+              <a:t>mirar</a:t>
+            </a:r>
+            <a:r>
+              <a:rPr lang="en-US" dirty="0" smtClean="0"/>
+              <a:t> </a:t>
+            </a:r>
+            <a:r>
+              <a:rPr lang="en-US" dirty="0" err="1" smtClean="0"/>
+              <a:t>por</a:t>
+            </a:r>
+            <a:r>
+              <a:rPr lang="en-US" dirty="0" smtClean="0"/>
+              <a:t> </a:t>
+            </a:r>
+            <a:r>
+              <a:rPr lang="en-US" dirty="0" err="1" smtClean="0"/>
+              <a:t>donde</a:t>
+            </a:r>
+            <a:r>
+              <a:rPr lang="en-US" dirty="0" smtClean="0"/>
+              <a:t> </a:t>
+            </a:r>
+            <a:r>
+              <a:rPr lang="en-US" dirty="0" err="1" smtClean="0"/>
+              <a:t>está</a:t>
+            </a:r>
+            <a:r>
+              <a:rPr lang="en-US" dirty="0" smtClean="0"/>
+              <a:t> el </a:t>
+            </a:r>
+            <a:r>
+              <a:rPr lang="en-US" dirty="0" err="1" smtClean="0"/>
+              <a:t>enemigo</a:t>
+            </a:r>
+            <a:r>
+              <a:rPr lang="en-US" dirty="0" smtClean="0"/>
+              <a:t> </a:t>
+            </a:r>
+            <a:r>
+              <a:rPr lang="en-US" dirty="0" err="1" smtClean="0"/>
+              <a:t>mientras</a:t>
+            </a:r>
+            <a:r>
+              <a:rPr lang="en-US" dirty="0" smtClean="0"/>
+              <a:t> </a:t>
+            </a:r>
+            <a:r>
+              <a:rPr lang="en-US" dirty="0" err="1" smtClean="0"/>
+              <a:t>marcha</a:t>
+            </a:r>
+            <a:r>
+              <a:rPr lang="en-US" dirty="0" smtClean="0"/>
+              <a:t> </a:t>
+            </a:r>
+            <a:r>
+              <a:rPr lang="en-US" dirty="0" err="1" smtClean="0"/>
+              <a:t>adelante</a:t>
+            </a:r>
+            <a:r>
+              <a:rPr lang="en-US" dirty="0" smtClean="0"/>
+              <a:t>. </a:t>
+            </a:r>
+            <a:r>
+              <a:rPr lang="en-US" dirty="0" err="1" smtClean="0"/>
+              <a:t>Dispara</a:t>
+            </a:r>
+            <a:r>
+              <a:rPr lang="en-US" dirty="0" smtClean="0"/>
+              <a:t> </a:t>
+            </a:r>
+            <a:r>
+              <a:rPr lang="en-US" dirty="0" err="1" smtClean="0"/>
+              <a:t>una</a:t>
+            </a:r>
+            <a:r>
+              <a:rPr lang="en-US" dirty="0" smtClean="0"/>
+              <a:t> </a:t>
+            </a:r>
+            <a:r>
+              <a:rPr lang="en-US" dirty="0" err="1" smtClean="0"/>
+              <a:t>perforadora</a:t>
+            </a:r>
+            <a:r>
+              <a:rPr lang="en-US" dirty="0" smtClean="0"/>
+              <a:t> </a:t>
+            </a:r>
+            <a:r>
+              <a:rPr lang="en-US" dirty="0" err="1" smtClean="0"/>
+              <a:t>si</a:t>
+            </a:r>
+            <a:r>
+              <a:rPr lang="en-US" dirty="0" smtClean="0"/>
+              <a:t> </a:t>
+            </a:r>
+            <a:r>
+              <a:rPr lang="en-US" dirty="0" err="1" smtClean="0"/>
+              <a:t>tiene</a:t>
+            </a:r>
+            <a:r>
+              <a:rPr lang="en-US" dirty="0" smtClean="0"/>
+              <a:t> </a:t>
+            </a:r>
+            <a:r>
+              <a:rPr lang="en-US" dirty="0" err="1" smtClean="0"/>
+              <a:t>si</a:t>
+            </a:r>
+            <a:r>
+              <a:rPr lang="en-US" dirty="0" smtClean="0"/>
+              <a:t> no un </a:t>
+            </a:r>
+            <a:r>
+              <a:rPr lang="en-US" dirty="0" err="1" smtClean="0"/>
+              <a:t>disparo</a:t>
+            </a:r>
+            <a:r>
+              <a:rPr lang="en-US" dirty="0" smtClean="0"/>
+              <a:t> normal .</a:t>
+            </a:r>
+            <a:endParaRPr lang="en-US" dirty="0"/>
+          </a:p>
+        </p:txBody>
+      </p:sp>
+    </p:spTree>
+    <p:extLst>
+      <p:ext uri="{BB962C8B-B14F-4D97-AF65-F5344CB8AC3E}">
+        <p14:creationId xmlns:p14="http://schemas.microsoft.com/office/powerpoint/2010/main" val="1760361858"/>
+      </p:ext>
+    </p:extLst>
+  </p:cSld>
+  <p:clrMapOvr>
+    <a:masterClrMapping/>
+  </p:clrMapOvr>
 </p:sld>
 </file>
 
